--- a/analysis/plots/fig3.pptx
+++ b/analysis/plots/fig3.pptx
@@ -243,7 +243,7 @@
           <a:p>
             <a:fld id="{E3FF52FC-9330-DE4B-8604-B633724EED49}" type="datetimeFigureOut">
               <a:rPr lang="en-US" smtClean="0"/>
-              <a:t>7/1/21</a:t>
+              <a:t>7/29/21</a:t>
             </a:fld>
             <a:endParaRPr lang="en-US"/>
           </a:p>
@@ -413,7 +413,7 @@
           <a:p>
             <a:fld id="{E3FF52FC-9330-DE4B-8604-B633724EED49}" type="datetimeFigureOut">
               <a:rPr lang="en-US" smtClean="0"/>
-              <a:t>7/1/21</a:t>
+              <a:t>7/29/21</a:t>
             </a:fld>
             <a:endParaRPr lang="en-US"/>
           </a:p>
@@ -593,7 +593,7 @@
           <a:p>
             <a:fld id="{E3FF52FC-9330-DE4B-8604-B633724EED49}" type="datetimeFigureOut">
               <a:rPr lang="en-US" smtClean="0"/>
-              <a:t>7/1/21</a:t>
+              <a:t>7/29/21</a:t>
             </a:fld>
             <a:endParaRPr lang="en-US"/>
           </a:p>
@@ -763,7 +763,7 @@
           <a:p>
             <a:fld id="{E3FF52FC-9330-DE4B-8604-B633724EED49}" type="datetimeFigureOut">
               <a:rPr lang="en-US" smtClean="0"/>
-              <a:t>7/1/21</a:t>
+              <a:t>7/29/21</a:t>
             </a:fld>
             <a:endParaRPr lang="en-US"/>
           </a:p>
@@ -1009,7 +1009,7 @@
           <a:p>
             <a:fld id="{E3FF52FC-9330-DE4B-8604-B633724EED49}" type="datetimeFigureOut">
               <a:rPr lang="en-US" smtClean="0"/>
-              <a:t>7/1/21</a:t>
+              <a:t>7/29/21</a:t>
             </a:fld>
             <a:endParaRPr lang="en-US"/>
           </a:p>
@@ -1241,7 +1241,7 @@
           <a:p>
             <a:fld id="{E3FF52FC-9330-DE4B-8604-B633724EED49}" type="datetimeFigureOut">
               <a:rPr lang="en-US" smtClean="0"/>
-              <a:t>7/1/21</a:t>
+              <a:t>7/29/21</a:t>
             </a:fld>
             <a:endParaRPr lang="en-US"/>
           </a:p>
@@ -1608,7 +1608,7 @@
           <a:p>
             <a:fld id="{E3FF52FC-9330-DE4B-8604-B633724EED49}" type="datetimeFigureOut">
               <a:rPr lang="en-US" smtClean="0"/>
-              <a:t>7/1/21</a:t>
+              <a:t>7/29/21</a:t>
             </a:fld>
             <a:endParaRPr lang="en-US"/>
           </a:p>
@@ -1726,7 +1726,7 @@
           <a:p>
             <a:fld id="{E3FF52FC-9330-DE4B-8604-B633724EED49}" type="datetimeFigureOut">
               <a:rPr lang="en-US" smtClean="0"/>
-              <a:t>7/1/21</a:t>
+              <a:t>7/29/21</a:t>
             </a:fld>
             <a:endParaRPr lang="en-US"/>
           </a:p>
@@ -1821,7 +1821,7 @@
           <a:p>
             <a:fld id="{E3FF52FC-9330-DE4B-8604-B633724EED49}" type="datetimeFigureOut">
               <a:rPr lang="en-US" smtClean="0"/>
-              <a:t>7/1/21</a:t>
+              <a:t>7/29/21</a:t>
             </a:fld>
             <a:endParaRPr lang="en-US"/>
           </a:p>
@@ -2098,7 +2098,7 @@
           <a:p>
             <a:fld id="{E3FF52FC-9330-DE4B-8604-B633724EED49}" type="datetimeFigureOut">
               <a:rPr lang="en-US" smtClean="0"/>
-              <a:t>7/1/21</a:t>
+              <a:t>7/29/21</a:t>
             </a:fld>
             <a:endParaRPr lang="en-US"/>
           </a:p>
@@ -2355,7 +2355,7 @@
           <a:p>
             <a:fld id="{E3FF52FC-9330-DE4B-8604-B633724EED49}" type="datetimeFigureOut">
               <a:rPr lang="en-US" smtClean="0"/>
-              <a:t>7/1/21</a:t>
+              <a:t>7/29/21</a:t>
             </a:fld>
             <a:endParaRPr lang="en-US"/>
           </a:p>
@@ -2568,7 +2568,7 @@
           <a:p>
             <a:fld id="{E3FF52FC-9330-DE4B-8604-B633724EED49}" type="datetimeFigureOut">
               <a:rPr lang="en-US" smtClean="0"/>
-              <a:t>7/1/21</a:t>
+              <a:t>7/29/21</a:t>
             </a:fld>
             <a:endParaRPr lang="en-US"/>
           </a:p>
@@ -2975,10 +2975,10 @@
       </p:grpSpPr>
       <p:pic>
         <p:nvPicPr>
-          <p:cNvPr id="5" name="Picture 4">
+          <p:cNvPr id="3" name="Picture 2">
             <a:extLst>
               <a:ext uri="{FF2B5EF4-FFF2-40B4-BE49-F238E27FC236}">
-                <a16:creationId xmlns:a16="http://schemas.microsoft.com/office/drawing/2014/main" id="{7F1FB001-A458-4049-B54C-A9559EDDB136}"/>
+                <a16:creationId xmlns:a16="http://schemas.microsoft.com/office/drawing/2014/main" id="{00FD4CEC-1093-4045-BE69-1DE80D3361EE}"/>
               </a:ext>
             </a:extLst>
           </p:cNvPr>
@@ -2995,7 +2995,7 @@
         </p:blipFill>
         <p:spPr>
           <a:xfrm>
-            <a:off x="-13788" y="0"/>
+            <a:off x="-49645" y="0"/>
             <a:ext cx="8826500" cy="5067300"/>
           </a:xfrm>
           <a:prstGeom prst="rect">
@@ -3005,10 +3005,10 @@
       </p:pic>
       <p:pic>
         <p:nvPicPr>
-          <p:cNvPr id="17" name="Picture 16">
+          <p:cNvPr id="7" name="Picture 6">
             <a:extLst>
               <a:ext uri="{FF2B5EF4-FFF2-40B4-BE49-F238E27FC236}">
-                <a16:creationId xmlns:a16="http://schemas.microsoft.com/office/drawing/2014/main" id="{D8B71ADE-07F1-B34A-924F-13CFFF7A7E74}"/>
+                <a16:creationId xmlns:a16="http://schemas.microsoft.com/office/drawing/2014/main" id="{46C6DD54-A805-F94C-9495-F6ACB0D193F1}"/>
               </a:ext>
             </a:extLst>
           </p:cNvPr>
@@ -3025,38 +3025,8 @@
         </p:blipFill>
         <p:spPr>
           <a:xfrm>
-            <a:off x="-13788" y="5007666"/>
-            <a:ext cx="9448800" cy="3746500"/>
-          </a:xfrm>
-          <a:prstGeom prst="rect">
-            <a:avLst/>
-          </a:prstGeom>
-        </p:spPr>
-      </p:pic>
-      <p:pic>
-        <p:nvPicPr>
-          <p:cNvPr id="4" name="Picture 3">
-            <a:extLst>
-              <a:ext uri="{FF2B5EF4-FFF2-40B4-BE49-F238E27FC236}">
-                <a16:creationId xmlns:a16="http://schemas.microsoft.com/office/drawing/2014/main" id="{B63B31BD-884E-F94F-BBE5-67A2F4FF3DA3}"/>
-              </a:ext>
-            </a:extLst>
-          </p:cNvPr>
-          <p:cNvPicPr>
-            <a:picLocks noChangeAspect="1"/>
-          </p:cNvPicPr>
-          <p:nvPr/>
-        </p:nvPicPr>
-        <p:blipFill>
-          <a:blip r:embed="rId4"/>
-          <a:stretch>
-            <a:fillRect/>
-          </a:stretch>
-        </p:blipFill>
-        <p:spPr>
-          <a:xfrm>
-            <a:off x="8776855" y="67366"/>
-            <a:ext cx="5396345" cy="8686800"/>
+            <a:off x="0" y="4984750"/>
+            <a:ext cx="9613900" cy="3784600"/>
           </a:xfrm>
           <a:prstGeom prst="rect">
             <a:avLst/>

--- a/analysis/plots/fig3.pptx
+++ b/analysis/plots/fig3.pptx
@@ -243,7 +243,7 @@
           <a:p>
             <a:fld id="{E3FF52FC-9330-DE4B-8604-B633724EED49}" type="datetimeFigureOut">
               <a:rPr lang="en-US" smtClean="0"/>
-              <a:t>7/29/21</a:t>
+              <a:t>7/30/21</a:t>
             </a:fld>
             <a:endParaRPr lang="en-US"/>
           </a:p>
@@ -413,7 +413,7 @@
           <a:p>
             <a:fld id="{E3FF52FC-9330-DE4B-8604-B633724EED49}" type="datetimeFigureOut">
               <a:rPr lang="en-US" smtClean="0"/>
-              <a:t>7/29/21</a:t>
+              <a:t>7/30/21</a:t>
             </a:fld>
             <a:endParaRPr lang="en-US"/>
           </a:p>
@@ -593,7 +593,7 @@
           <a:p>
             <a:fld id="{E3FF52FC-9330-DE4B-8604-B633724EED49}" type="datetimeFigureOut">
               <a:rPr lang="en-US" smtClean="0"/>
-              <a:t>7/29/21</a:t>
+              <a:t>7/30/21</a:t>
             </a:fld>
             <a:endParaRPr lang="en-US"/>
           </a:p>
@@ -763,7 +763,7 @@
           <a:p>
             <a:fld id="{E3FF52FC-9330-DE4B-8604-B633724EED49}" type="datetimeFigureOut">
               <a:rPr lang="en-US" smtClean="0"/>
-              <a:t>7/29/21</a:t>
+              <a:t>7/30/21</a:t>
             </a:fld>
             <a:endParaRPr lang="en-US"/>
           </a:p>
@@ -1009,7 +1009,7 @@
           <a:p>
             <a:fld id="{E3FF52FC-9330-DE4B-8604-B633724EED49}" type="datetimeFigureOut">
               <a:rPr lang="en-US" smtClean="0"/>
-              <a:t>7/29/21</a:t>
+              <a:t>7/30/21</a:t>
             </a:fld>
             <a:endParaRPr lang="en-US"/>
           </a:p>
@@ -1241,7 +1241,7 @@
           <a:p>
             <a:fld id="{E3FF52FC-9330-DE4B-8604-B633724EED49}" type="datetimeFigureOut">
               <a:rPr lang="en-US" smtClean="0"/>
-              <a:t>7/29/21</a:t>
+              <a:t>7/30/21</a:t>
             </a:fld>
             <a:endParaRPr lang="en-US"/>
           </a:p>
@@ -1608,7 +1608,7 @@
           <a:p>
             <a:fld id="{E3FF52FC-9330-DE4B-8604-B633724EED49}" type="datetimeFigureOut">
               <a:rPr lang="en-US" smtClean="0"/>
-              <a:t>7/29/21</a:t>
+              <a:t>7/30/21</a:t>
             </a:fld>
             <a:endParaRPr lang="en-US"/>
           </a:p>
@@ -1726,7 +1726,7 @@
           <a:p>
             <a:fld id="{E3FF52FC-9330-DE4B-8604-B633724EED49}" type="datetimeFigureOut">
               <a:rPr lang="en-US" smtClean="0"/>
-              <a:t>7/29/21</a:t>
+              <a:t>7/30/21</a:t>
             </a:fld>
             <a:endParaRPr lang="en-US"/>
           </a:p>
@@ -1821,7 +1821,7 @@
           <a:p>
             <a:fld id="{E3FF52FC-9330-DE4B-8604-B633724EED49}" type="datetimeFigureOut">
               <a:rPr lang="en-US" smtClean="0"/>
-              <a:t>7/29/21</a:t>
+              <a:t>7/30/21</a:t>
             </a:fld>
             <a:endParaRPr lang="en-US"/>
           </a:p>
@@ -2098,7 +2098,7 @@
           <a:p>
             <a:fld id="{E3FF52FC-9330-DE4B-8604-B633724EED49}" type="datetimeFigureOut">
               <a:rPr lang="en-US" smtClean="0"/>
-              <a:t>7/29/21</a:t>
+              <a:t>7/30/21</a:t>
             </a:fld>
             <a:endParaRPr lang="en-US"/>
           </a:p>
@@ -2355,7 +2355,7 @@
           <a:p>
             <a:fld id="{E3FF52FC-9330-DE4B-8604-B633724EED49}" type="datetimeFigureOut">
               <a:rPr lang="en-US" smtClean="0"/>
-              <a:t>7/29/21</a:t>
+              <a:t>7/30/21</a:t>
             </a:fld>
             <a:endParaRPr lang="en-US"/>
           </a:p>
@@ -2568,7 +2568,7 @@
           <a:p>
             <a:fld id="{E3FF52FC-9330-DE4B-8604-B633724EED49}" type="datetimeFigureOut">
               <a:rPr lang="en-US" smtClean="0"/>
-              <a:t>7/29/21</a:t>
+              <a:t>7/30/21</a:t>
             </a:fld>
             <a:endParaRPr lang="en-US"/>
           </a:p>
@@ -2995,7 +2995,7 @@
         </p:blipFill>
         <p:spPr>
           <a:xfrm>
-            <a:off x="-49645" y="0"/>
+            <a:off x="-32712" y="0"/>
             <a:ext cx="8826500" cy="5067300"/>
           </a:xfrm>
           <a:prstGeom prst="rect">
@@ -3005,10 +3005,10 @@
       </p:pic>
       <p:pic>
         <p:nvPicPr>
-          <p:cNvPr id="7" name="Picture 6">
+          <p:cNvPr id="10" name="Picture 9">
             <a:extLst>
               <a:ext uri="{FF2B5EF4-FFF2-40B4-BE49-F238E27FC236}">
-                <a16:creationId xmlns:a16="http://schemas.microsoft.com/office/drawing/2014/main" id="{46C6DD54-A805-F94C-9495-F6ACB0D193F1}"/>
+                <a16:creationId xmlns:a16="http://schemas.microsoft.com/office/drawing/2014/main" id="{8CCB3943-3769-4044-9D5B-BAB7755E47CC}"/>
               </a:ext>
             </a:extLst>
           </p:cNvPr>
@@ -3025,8 +3025,91 @@
         </p:blipFill>
         <p:spPr>
           <a:xfrm>
-            <a:off x="0" y="4984750"/>
-            <a:ext cx="9613900" cy="3784600"/>
+            <a:off x="8827654" y="0"/>
+            <a:ext cx="5266800" cy="8686800"/>
+          </a:xfrm>
+          <a:prstGeom prst="rect">
+            <a:avLst/>
+          </a:prstGeom>
+        </p:spPr>
+      </p:pic>
+      <p:sp>
+        <p:nvSpPr>
+          <p:cNvPr id="2" name="Rectangle 1">
+            <a:extLst>
+              <a:ext uri="{FF2B5EF4-FFF2-40B4-BE49-F238E27FC236}">
+                <a16:creationId xmlns:a16="http://schemas.microsoft.com/office/drawing/2014/main" id="{27D2FD19-A802-B541-BB94-6594DA9E3F53}"/>
+              </a:ext>
+            </a:extLst>
+          </p:cNvPr>
+          <p:cNvSpPr/>
+          <p:nvPr/>
+        </p:nvSpPr>
+        <p:spPr>
+          <a:xfrm>
+            <a:off x="11717333" y="952900"/>
+            <a:ext cx="772633" cy="7430703"/>
+          </a:xfrm>
+          <a:prstGeom prst="rect">
+            <a:avLst/>
+          </a:prstGeom>
+          <a:noFill/>
+          <a:ln w="19050">
+            <a:solidFill>
+              <a:srgbClr val="C00000"/>
+            </a:solidFill>
+            <a:prstDash val="dash"/>
+          </a:ln>
+        </p:spPr>
+        <p:style>
+          <a:lnRef idx="2">
+            <a:schemeClr val="accent1">
+              <a:shade val="50000"/>
+            </a:schemeClr>
+          </a:lnRef>
+          <a:fillRef idx="1">
+            <a:schemeClr val="accent1"/>
+          </a:fillRef>
+          <a:effectRef idx="0">
+            <a:schemeClr val="accent1"/>
+          </a:effectRef>
+          <a:fontRef idx="minor">
+            <a:schemeClr val="lt1"/>
+          </a:fontRef>
+        </p:style>
+        <p:txBody>
+          <a:bodyPr rtlCol="0" anchor="ctr"/>
+          <a:lstStyle/>
+          <a:p>
+            <a:pPr algn="ctr"/>
+            <a:endParaRPr lang="en-US"/>
+          </a:p>
+        </p:txBody>
+      </p:sp>
+      <p:pic>
+        <p:nvPicPr>
+          <p:cNvPr id="5" name="Picture 4">
+            <a:extLst>
+              <a:ext uri="{FF2B5EF4-FFF2-40B4-BE49-F238E27FC236}">
+                <a16:creationId xmlns:a16="http://schemas.microsoft.com/office/drawing/2014/main" id="{029B1AE4-5A07-7349-A1BF-86E69966C5A8}"/>
+              </a:ext>
+            </a:extLst>
+          </p:cNvPr>
+          <p:cNvPicPr>
+            <a:picLocks noChangeAspect="1"/>
+          </p:cNvPicPr>
+          <p:nvPr/>
+        </p:nvPicPr>
+        <p:blipFill>
+          <a:blip r:embed="rId4"/>
+          <a:stretch>
+            <a:fillRect/>
+          </a:stretch>
+        </p:blipFill>
+        <p:spPr>
+          <a:xfrm>
+            <a:off x="-32712" y="5020521"/>
+            <a:ext cx="9313333" cy="3666279"/>
           </a:xfrm>
           <a:prstGeom prst="rect">
             <a:avLst/>

--- a/analysis/plots/fig3.pptx
+++ b/analysis/plots/fig3.pptx
@@ -243,7 +243,7 @@
           <a:p>
             <a:fld id="{3D0C0BDB-E8FF-A14A-8C5A-11852E201FC6}" type="datetimeFigureOut">
               <a:rPr lang="en-US" smtClean="0"/>
-              <a:t>8/19/21</a:t>
+              <a:t>9/15/21</a:t>
             </a:fld>
             <a:endParaRPr lang="en-US"/>
           </a:p>
@@ -413,7 +413,7 @@
           <a:p>
             <a:fld id="{3D0C0BDB-E8FF-A14A-8C5A-11852E201FC6}" type="datetimeFigureOut">
               <a:rPr lang="en-US" smtClean="0"/>
-              <a:t>8/19/21</a:t>
+              <a:t>9/15/21</a:t>
             </a:fld>
             <a:endParaRPr lang="en-US"/>
           </a:p>
@@ -593,7 +593,7 @@
           <a:p>
             <a:fld id="{3D0C0BDB-E8FF-A14A-8C5A-11852E201FC6}" type="datetimeFigureOut">
               <a:rPr lang="en-US" smtClean="0"/>
-              <a:t>8/19/21</a:t>
+              <a:t>9/15/21</a:t>
             </a:fld>
             <a:endParaRPr lang="en-US"/>
           </a:p>
@@ -763,7 +763,7 @@
           <a:p>
             <a:fld id="{3D0C0BDB-E8FF-A14A-8C5A-11852E201FC6}" type="datetimeFigureOut">
               <a:rPr lang="en-US" smtClean="0"/>
-              <a:t>8/19/21</a:t>
+              <a:t>9/15/21</a:t>
             </a:fld>
             <a:endParaRPr lang="en-US"/>
           </a:p>
@@ -1007,7 +1007,7 @@
           <a:p>
             <a:fld id="{3D0C0BDB-E8FF-A14A-8C5A-11852E201FC6}" type="datetimeFigureOut">
               <a:rPr lang="en-US" smtClean="0"/>
-              <a:t>8/19/21</a:t>
+              <a:t>9/15/21</a:t>
             </a:fld>
             <a:endParaRPr lang="en-US"/>
           </a:p>
@@ -1239,7 +1239,7 @@
           <a:p>
             <a:fld id="{3D0C0BDB-E8FF-A14A-8C5A-11852E201FC6}" type="datetimeFigureOut">
               <a:rPr lang="en-US" smtClean="0"/>
-              <a:t>8/19/21</a:t>
+              <a:t>9/15/21</a:t>
             </a:fld>
             <a:endParaRPr lang="en-US"/>
           </a:p>
@@ -1606,7 +1606,7 @@
           <a:p>
             <a:fld id="{3D0C0BDB-E8FF-A14A-8C5A-11852E201FC6}" type="datetimeFigureOut">
               <a:rPr lang="en-US" smtClean="0"/>
-              <a:t>8/19/21</a:t>
+              <a:t>9/15/21</a:t>
             </a:fld>
             <a:endParaRPr lang="en-US"/>
           </a:p>
@@ -1724,7 +1724,7 @@
           <a:p>
             <a:fld id="{3D0C0BDB-E8FF-A14A-8C5A-11852E201FC6}" type="datetimeFigureOut">
               <a:rPr lang="en-US" smtClean="0"/>
-              <a:t>8/19/21</a:t>
+              <a:t>9/15/21</a:t>
             </a:fld>
             <a:endParaRPr lang="en-US"/>
           </a:p>
@@ -1819,7 +1819,7 @@
           <a:p>
             <a:fld id="{3D0C0BDB-E8FF-A14A-8C5A-11852E201FC6}" type="datetimeFigureOut">
               <a:rPr lang="en-US" smtClean="0"/>
-              <a:t>8/19/21</a:t>
+              <a:t>9/15/21</a:t>
             </a:fld>
             <a:endParaRPr lang="en-US"/>
           </a:p>
@@ -2096,7 +2096,7 @@
           <a:p>
             <a:fld id="{3D0C0BDB-E8FF-A14A-8C5A-11852E201FC6}" type="datetimeFigureOut">
               <a:rPr lang="en-US" smtClean="0"/>
-              <a:t>8/19/21</a:t>
+              <a:t>9/15/21</a:t>
             </a:fld>
             <a:endParaRPr lang="en-US"/>
           </a:p>
@@ -2353,7 +2353,7 @@
           <a:p>
             <a:fld id="{3D0C0BDB-E8FF-A14A-8C5A-11852E201FC6}" type="datetimeFigureOut">
               <a:rPr lang="en-US" smtClean="0"/>
-              <a:t>8/19/21</a:t>
+              <a:t>9/15/21</a:t>
             </a:fld>
             <a:endParaRPr lang="en-US"/>
           </a:p>
@@ -2566,7 +2566,7 @@
           <a:p>
             <a:fld id="{3D0C0BDB-E8FF-A14A-8C5A-11852E201FC6}" type="datetimeFigureOut">
               <a:rPr lang="en-US" smtClean="0"/>
-              <a:t>8/19/21</a:t>
+              <a:t>9/15/21</a:t>
             </a:fld>
             <a:endParaRPr lang="en-US"/>
           </a:p>
@@ -2973,10 +2973,10 @@
       </p:grpSpPr>
       <p:pic>
         <p:nvPicPr>
-          <p:cNvPr id="10" name="Picture 9">
+          <p:cNvPr id="3" name="Picture 2">
             <a:extLst>
               <a:ext uri="{FF2B5EF4-FFF2-40B4-BE49-F238E27FC236}">
-                <a16:creationId xmlns:a16="http://schemas.microsoft.com/office/drawing/2014/main" id="{9810F66C-A1B3-D34A-B64A-E095FB1CD3B8}"/>
+                <a16:creationId xmlns:a16="http://schemas.microsoft.com/office/drawing/2014/main" id="{C04E5CC8-3AE4-ED42-8900-C7BF1D3979A6}"/>
               </a:ext>
             </a:extLst>
           </p:cNvPr>
@@ -2993,8 +2993,8 @@
         </p:blipFill>
         <p:spPr>
           <a:xfrm>
-            <a:off x="0" y="704"/>
-            <a:ext cx="12192000" cy="1667195"/>
+            <a:off x="0" y="-7406"/>
+            <a:ext cx="12192000" cy="1897909"/>
           </a:xfrm>
           <a:prstGeom prst="rect">
             <a:avLst/>
@@ -3015,10 +3015,10 @@
         </p:nvGrpSpPr>
         <p:grpSpPr>
           <a:xfrm>
-            <a:off x="46494" y="551424"/>
-            <a:ext cx="10613822" cy="1810344"/>
-            <a:chOff x="21118" y="538980"/>
-            <a:chExt cx="10613822" cy="1810344"/>
+            <a:off x="46494" y="537928"/>
+            <a:ext cx="10603724" cy="1823840"/>
+            <a:chOff x="21118" y="525484"/>
+            <a:chExt cx="10603724" cy="1823840"/>
           </a:xfrm>
         </p:grpSpPr>
         <p:sp>
@@ -3223,10 +3223,10 @@
           </p:nvGrpSpPr>
           <p:grpSpPr>
             <a:xfrm>
-              <a:off x="740630" y="538980"/>
-              <a:ext cx="2025232" cy="1793037"/>
-              <a:chOff x="740630" y="538980"/>
-              <a:chExt cx="2025232" cy="1793037"/>
+              <a:off x="779186" y="525484"/>
+              <a:ext cx="2025232" cy="1806533"/>
+              <a:chOff x="779186" y="525484"/>
+              <a:chExt cx="2025232" cy="1806533"/>
             </a:xfrm>
           </p:grpSpPr>
           <p:cxnSp>
@@ -3245,8 +3245,8 @@
             </p:nvCxnSpPr>
             <p:spPr>
               <a:xfrm>
-                <a:off x="2504717" y="1884307"/>
-                <a:ext cx="212506" cy="0"/>
+                <a:off x="2515966" y="1890398"/>
+                <a:ext cx="182880" cy="0"/>
               </a:xfrm>
               <a:prstGeom prst="line">
                 <a:avLst/>
@@ -3286,7 +3286,7 @@
             </p:nvSpPr>
             <p:spPr>
               <a:xfrm rot="16200000">
-                <a:off x="647977" y="1984562"/>
+                <a:off x="686533" y="1984562"/>
                 <a:ext cx="431528" cy="246221"/>
               </a:xfrm>
               <a:prstGeom prst="rect">
@@ -3325,7 +3325,7 @@
             </p:nvSpPr>
             <p:spPr>
               <a:xfrm rot="16200000">
-                <a:off x="1258166" y="1990116"/>
+                <a:off x="1296722" y="1990116"/>
                 <a:ext cx="431528" cy="246221"/>
               </a:xfrm>
               <a:prstGeom prst="rect">
@@ -3366,7 +3366,7 @@
             </p:nvCxnSpPr>
             <p:spPr>
               <a:xfrm>
-                <a:off x="913001" y="1332162"/>
+                <a:off x="951557" y="1332162"/>
                 <a:ext cx="0" cy="565239"/>
               </a:xfrm>
               <a:prstGeom prst="line">
@@ -3413,7 +3413,7 @@
             </p:nvCxnSpPr>
             <p:spPr>
               <a:xfrm>
-                <a:off x="1910768" y="1136931"/>
+                <a:off x="1949324" y="1136931"/>
                 <a:ext cx="0" cy="766364"/>
               </a:xfrm>
               <a:prstGeom prst="line">
@@ -3507,8 +3507,8 @@
             </p:nvCxnSpPr>
             <p:spPr>
               <a:xfrm>
-                <a:off x="2480881" y="717593"/>
-                <a:ext cx="0" cy="1148698"/>
+                <a:off x="2482664" y="692636"/>
+                <a:ext cx="0" cy="1201421"/>
               </a:xfrm>
               <a:prstGeom prst="line">
                 <a:avLst/>
@@ -3554,7 +3554,7 @@
             </p:nvCxnSpPr>
             <p:spPr>
               <a:xfrm>
-                <a:off x="2713177" y="538980"/>
+                <a:off x="2700696" y="525484"/>
                 <a:ext cx="0" cy="1345327"/>
               </a:xfrm>
               <a:prstGeom prst="line">
@@ -3601,7 +3601,7 @@
             </p:nvCxnSpPr>
             <p:spPr>
               <a:xfrm>
-                <a:off x="2099201" y="1017963"/>
+                <a:off x="2104709" y="1017963"/>
                 <a:ext cx="0" cy="869372"/>
               </a:xfrm>
               <a:prstGeom prst="line">
@@ -3648,7 +3648,7 @@
             </p:nvCxnSpPr>
             <p:spPr>
               <a:xfrm>
-                <a:off x="942876" y="1887335"/>
+                <a:off x="981432" y="1887335"/>
                 <a:ext cx="969264" cy="0"/>
               </a:xfrm>
               <a:prstGeom prst="line">
@@ -3691,8 +3691,8 @@
             </p:nvCxnSpPr>
             <p:spPr>
               <a:xfrm>
-                <a:off x="1939090" y="1887335"/>
-                <a:ext cx="164592" cy="0"/>
+                <a:off x="1977646" y="1887335"/>
+                <a:ext cx="128016" cy="0"/>
               </a:xfrm>
               <a:prstGeom prst="line">
                 <a:avLst/>
@@ -3734,8 +3734,8 @@
             </p:nvCxnSpPr>
             <p:spPr>
               <a:xfrm>
-                <a:off x="2127523" y="1887335"/>
-                <a:ext cx="182880" cy="0"/>
+                <a:off x="2138539" y="1887335"/>
+                <a:ext cx="164592" cy="0"/>
               </a:xfrm>
               <a:prstGeom prst="line">
                 <a:avLst/>
@@ -3775,7 +3775,7 @@
             </p:nvSpPr>
             <p:spPr>
               <a:xfrm rot="16200000">
-                <a:off x="2006145" y="1990115"/>
+                <a:off x="2044701" y="1990115"/>
                 <a:ext cx="431528" cy="246221"/>
               </a:xfrm>
               <a:prstGeom prst="rect">
@@ -3814,7 +3814,7 @@
             </p:nvSpPr>
             <p:spPr>
               <a:xfrm rot="16200000">
-                <a:off x="2202916" y="1993142"/>
+                <a:off x="2241472" y="1993142"/>
                 <a:ext cx="431528" cy="246221"/>
               </a:xfrm>
               <a:prstGeom prst="rect">
@@ -3855,7 +3855,7 @@
             </p:nvCxnSpPr>
             <p:spPr>
               <a:xfrm>
-                <a:off x="821172" y="1887335"/>
+                <a:off x="859728" y="1887335"/>
                 <a:ext cx="95402" cy="0"/>
               </a:xfrm>
               <a:prstGeom prst="line">
@@ -3898,7 +3898,7 @@
             </p:nvCxnSpPr>
             <p:spPr>
               <a:xfrm>
-                <a:off x="2334552" y="1884307"/>
+                <a:off x="2334125" y="1887335"/>
                 <a:ext cx="148539" cy="0"/>
               </a:xfrm>
               <a:prstGeom prst="line">
@@ -3939,7 +3939,7 @@
             </p:nvSpPr>
             <p:spPr>
               <a:xfrm rot="16200000">
-                <a:off x="1788649" y="1991704"/>
+                <a:off x="1827205" y="1991704"/>
                 <a:ext cx="431528" cy="246221"/>
               </a:xfrm>
               <a:prstGeom prst="rect">
@@ -3978,7 +3978,7 @@
             </p:nvSpPr>
             <p:spPr>
               <a:xfrm rot="16200000">
-                <a:off x="2426988" y="1990114"/>
+                <a:off x="2465544" y="1990114"/>
                 <a:ext cx="431528" cy="246221"/>
               </a:xfrm>
               <a:prstGeom prst="rect">
@@ -4020,7 +4020,7 @@
           </p:nvCxnSpPr>
           <p:spPr>
             <a:xfrm>
-              <a:off x="8727260" y="1291942"/>
+              <a:off x="8809885" y="1291942"/>
               <a:ext cx="0" cy="592365"/>
             </a:xfrm>
             <a:prstGeom prst="line">
@@ -4067,7 +4067,7 @@
           </p:nvCxnSpPr>
           <p:spPr>
             <a:xfrm>
-              <a:off x="8561919" y="1884307"/>
+              <a:off x="8644544" y="1884307"/>
               <a:ext cx="169936" cy="0"/>
             </a:xfrm>
             <a:prstGeom prst="line">
@@ -4110,8 +4110,8 @@
           </p:nvCxnSpPr>
           <p:spPr>
             <a:xfrm>
-              <a:off x="8759425" y="1882886"/>
-              <a:ext cx="1875515" cy="0"/>
+              <a:off x="8842050" y="1882886"/>
+              <a:ext cx="1780376" cy="0"/>
             </a:xfrm>
             <a:prstGeom prst="line">
               <a:avLst/>
@@ -4153,7 +4153,7 @@
           </p:nvCxnSpPr>
           <p:spPr>
             <a:xfrm>
-              <a:off x="10630345" y="1161061"/>
+              <a:off x="10624842" y="1161061"/>
               <a:ext cx="0" cy="709825"/>
             </a:xfrm>
             <a:prstGeom prst="line">
@@ -4198,7 +4198,7 @@
           </p:nvSpPr>
           <p:spPr>
             <a:xfrm rot="16200000">
-              <a:off x="8420552" y="1970714"/>
+              <a:off x="8503177" y="1970714"/>
               <a:ext cx="431528" cy="246221"/>
             </a:xfrm>
             <a:prstGeom prst="rect">
@@ -4237,7 +4237,7 @@
           </p:nvSpPr>
           <p:spPr>
             <a:xfrm rot="16200000">
-              <a:off x="9504682" y="1970714"/>
+              <a:off x="9587307" y="1970714"/>
               <a:ext cx="431528" cy="246221"/>
             </a:xfrm>
             <a:prstGeom prst="rect">
